--- a/bpjs.pptx
+++ b/bpjs.pptx
@@ -336,7 +336,7 @@
           <a:p>
             <a:fld id="{6DFE4621-6D99-4A70-A1C3-4F826DE61E8F}" type="datetimeFigureOut">
               <a:rPr lang="id-ID" smtClean="0"/>
-              <a:t>12/02/2023</a:t>
+              <a:t>13/02/2023</a:t>
             </a:fld>
             <a:endParaRPr lang="id-ID"/>
           </a:p>
@@ -536,7 +536,7 @@
           <a:p>
             <a:fld id="{6DFE4621-6D99-4A70-A1C3-4F826DE61E8F}" type="datetimeFigureOut">
               <a:rPr lang="id-ID" smtClean="0"/>
-              <a:t>12/02/2023</a:t>
+              <a:t>13/02/2023</a:t>
             </a:fld>
             <a:endParaRPr lang="id-ID"/>
           </a:p>
@@ -746,7 +746,7 @@
           <a:p>
             <a:fld id="{6DFE4621-6D99-4A70-A1C3-4F826DE61E8F}" type="datetimeFigureOut">
               <a:rPr lang="id-ID" smtClean="0"/>
-              <a:t>12/02/2023</a:t>
+              <a:t>13/02/2023</a:t>
             </a:fld>
             <a:endParaRPr lang="id-ID"/>
           </a:p>
@@ -946,7 +946,7 @@
           <a:p>
             <a:fld id="{6DFE4621-6D99-4A70-A1C3-4F826DE61E8F}" type="datetimeFigureOut">
               <a:rPr lang="id-ID" smtClean="0"/>
-              <a:t>12/02/2023</a:t>
+              <a:t>13/02/2023</a:t>
             </a:fld>
             <a:endParaRPr lang="id-ID"/>
           </a:p>
@@ -1222,7 +1222,7 @@
           <a:p>
             <a:fld id="{6DFE4621-6D99-4A70-A1C3-4F826DE61E8F}" type="datetimeFigureOut">
               <a:rPr lang="id-ID" smtClean="0"/>
-              <a:t>12/02/2023</a:t>
+              <a:t>13/02/2023</a:t>
             </a:fld>
             <a:endParaRPr lang="id-ID"/>
           </a:p>
@@ -1490,7 +1490,7 @@
           <a:p>
             <a:fld id="{6DFE4621-6D99-4A70-A1C3-4F826DE61E8F}" type="datetimeFigureOut">
               <a:rPr lang="id-ID" smtClean="0"/>
-              <a:t>12/02/2023</a:t>
+              <a:t>13/02/2023</a:t>
             </a:fld>
             <a:endParaRPr lang="id-ID"/>
           </a:p>
@@ -1905,7 +1905,7 @@
           <a:p>
             <a:fld id="{6DFE4621-6D99-4A70-A1C3-4F826DE61E8F}" type="datetimeFigureOut">
               <a:rPr lang="id-ID" smtClean="0"/>
-              <a:t>12/02/2023</a:t>
+              <a:t>13/02/2023</a:t>
             </a:fld>
             <a:endParaRPr lang="id-ID"/>
           </a:p>
@@ -2047,7 +2047,7 @@
           <a:p>
             <a:fld id="{6DFE4621-6D99-4A70-A1C3-4F826DE61E8F}" type="datetimeFigureOut">
               <a:rPr lang="id-ID" smtClean="0"/>
-              <a:t>12/02/2023</a:t>
+              <a:t>13/02/2023</a:t>
             </a:fld>
             <a:endParaRPr lang="id-ID"/>
           </a:p>
@@ -2160,7 +2160,7 @@
           <a:p>
             <a:fld id="{6DFE4621-6D99-4A70-A1C3-4F826DE61E8F}" type="datetimeFigureOut">
               <a:rPr lang="id-ID" smtClean="0"/>
-              <a:t>12/02/2023</a:t>
+              <a:t>13/02/2023</a:t>
             </a:fld>
             <a:endParaRPr lang="id-ID"/>
           </a:p>
@@ -2473,7 +2473,7 @@
           <a:p>
             <a:fld id="{6DFE4621-6D99-4A70-A1C3-4F826DE61E8F}" type="datetimeFigureOut">
               <a:rPr lang="id-ID" smtClean="0"/>
-              <a:t>12/02/2023</a:t>
+              <a:t>13/02/2023</a:t>
             </a:fld>
             <a:endParaRPr lang="id-ID"/>
           </a:p>
@@ -2762,7 +2762,7 @@
           <a:p>
             <a:fld id="{6DFE4621-6D99-4A70-A1C3-4F826DE61E8F}" type="datetimeFigureOut">
               <a:rPr lang="id-ID" smtClean="0"/>
-              <a:t>12/02/2023</a:t>
+              <a:t>13/02/2023</a:t>
             </a:fld>
             <a:endParaRPr lang="id-ID"/>
           </a:p>
@@ -3026,7 +3026,7 @@
           <a:p>
             <a:fld id="{6DFE4621-6D99-4A70-A1C3-4F826DE61E8F}" type="datetimeFigureOut">
               <a:rPr lang="id-ID" smtClean="0"/>
-              <a:t>12/02/2023</a:t>
+              <a:t>13/02/2023</a:t>
             </a:fld>
             <a:endParaRPr lang="id-ID"/>
           </a:p>
@@ -10599,13 +10599,13 @@
   <p:clrMapOvr>
     <a:masterClrMapping/>
   </p:clrMapOvr>
-  <mc:AlternateContent xmlns:mc="http://schemas.openxmlformats.org/markup-compatibility/2006">
-    <mc:Choice xmlns:p14="http://schemas.microsoft.com/office/powerpoint/2010/main" Requires="p14">
+  <mc:AlternateContent xmlns:mc="http://schemas.openxmlformats.org/markup-compatibility/2006" xmlns:p14="http://schemas.microsoft.com/office/powerpoint/2010/main">
+    <mc:Choice Requires="p14">
       <p:transition spd="slow" p14:dur="1600">
         <p14:prism isInverted="1"/>
       </p:transition>
     </mc:Choice>
-    <mc:Fallback>
+    <mc:Fallback xmlns="">
       <p:transition spd="slow">
         <p:fade/>
       </p:transition>
@@ -11007,13 +11007,13 @@
   <p:clrMapOvr>
     <a:masterClrMapping/>
   </p:clrMapOvr>
-  <mc:AlternateContent xmlns:mc="http://schemas.openxmlformats.org/markup-compatibility/2006">
-    <mc:Choice xmlns:p14="http://schemas.microsoft.com/office/powerpoint/2010/main" Requires="p14">
+  <mc:AlternateContent xmlns:mc="http://schemas.openxmlformats.org/markup-compatibility/2006" xmlns:p14="http://schemas.microsoft.com/office/powerpoint/2010/main">
+    <mc:Choice Requires="p14">
       <p:transition spd="slow" p14:dur="1600">
         <p14:prism isInverted="1"/>
       </p:transition>
     </mc:Choice>
-    <mc:Fallback>
+    <mc:Fallback xmlns="">
       <p:transition spd="slow">
         <p:fade/>
       </p:transition>
@@ -11431,13 +11431,13 @@
   <p:clrMapOvr>
     <a:masterClrMapping/>
   </p:clrMapOvr>
-  <mc:AlternateContent xmlns:mc="http://schemas.openxmlformats.org/markup-compatibility/2006">
-    <mc:Choice xmlns:p14="http://schemas.microsoft.com/office/powerpoint/2010/main" Requires="p14">
+  <mc:AlternateContent xmlns:mc="http://schemas.openxmlformats.org/markup-compatibility/2006" xmlns:p14="http://schemas.microsoft.com/office/powerpoint/2010/main">
+    <mc:Choice Requires="p14">
       <p:transition spd="slow" p14:dur="1600">
         <p14:prism isInverted="1"/>
       </p:transition>
     </mc:Choice>
-    <mc:Fallback>
+    <mc:Fallback xmlns="">
       <p:transition spd="slow">
         <p:fade/>
       </p:transition>
@@ -12042,13 +12042,13 @@
   <p:clrMapOvr>
     <a:masterClrMapping/>
   </p:clrMapOvr>
-  <mc:AlternateContent xmlns:mc="http://schemas.openxmlformats.org/markup-compatibility/2006">
-    <mc:Choice xmlns:p14="http://schemas.microsoft.com/office/powerpoint/2010/main" Requires="p14">
+  <mc:AlternateContent xmlns:mc="http://schemas.openxmlformats.org/markup-compatibility/2006" xmlns:p14="http://schemas.microsoft.com/office/powerpoint/2010/main">
+    <mc:Choice Requires="p14">
       <p:transition spd="slow" p14:dur="1600">
         <p14:prism isInverted="1"/>
       </p:transition>
     </mc:Choice>
-    <mc:Fallback>
+    <mc:Fallback xmlns="">
       <p:transition spd="slow">
         <p:fade/>
       </p:transition>
@@ -15220,13 +15220,13 @@
   <p:clrMapOvr>
     <a:masterClrMapping/>
   </p:clrMapOvr>
-  <mc:AlternateContent xmlns:mc="http://schemas.openxmlformats.org/markup-compatibility/2006">
-    <mc:Choice xmlns:p159="http://schemas.microsoft.com/office/powerpoint/2015/09/main" Requires="p159">
+  <mc:AlternateContent xmlns:mc="http://schemas.openxmlformats.org/markup-compatibility/2006" xmlns:p159="http://schemas.microsoft.com/office/powerpoint/2015/09/main">
+    <mc:Choice Requires="p159">
       <p:transition spd="slow">
         <p159:morph option="byObject"/>
       </p:transition>
     </mc:Choice>
-    <mc:Fallback>
+    <mc:Fallback xmlns="">
       <p:transition spd="slow">
         <p:fade/>
       </p:transition>
@@ -16136,13 +16136,13 @@
   <p:clrMapOvr>
     <a:masterClrMapping/>
   </p:clrMapOvr>
-  <mc:AlternateContent xmlns:mc="http://schemas.openxmlformats.org/markup-compatibility/2006">
-    <mc:Choice xmlns:p159="http://schemas.microsoft.com/office/powerpoint/2015/09/main" Requires="p159">
+  <mc:AlternateContent xmlns:mc="http://schemas.openxmlformats.org/markup-compatibility/2006" xmlns:p159="http://schemas.microsoft.com/office/powerpoint/2015/09/main">
+    <mc:Choice Requires="p159">
       <p:transition spd="slow">
         <p159:morph option="byObject"/>
       </p:transition>
     </mc:Choice>
-    <mc:Fallback>
+    <mc:Fallback xmlns="">
       <p:transition spd="slow">
         <p:fade/>
       </p:transition>
@@ -17007,13 +17007,13 @@
   <p:clrMapOvr>
     <a:masterClrMapping/>
   </p:clrMapOvr>
-  <mc:AlternateContent xmlns:mc="http://schemas.openxmlformats.org/markup-compatibility/2006">
-    <mc:Choice xmlns:p159="http://schemas.microsoft.com/office/powerpoint/2015/09/main" Requires="p159">
+  <mc:AlternateContent xmlns:mc="http://schemas.openxmlformats.org/markup-compatibility/2006" xmlns:p159="http://schemas.microsoft.com/office/powerpoint/2015/09/main">
+    <mc:Choice Requires="p159">
       <p:transition spd="slow">
         <p159:morph option="byObject"/>
       </p:transition>
     </mc:Choice>
-    <mc:Fallback>
+    <mc:Fallback xmlns="">
       <p:transition spd="slow">
         <p:fade/>
       </p:transition>
@@ -17317,13 +17317,13 @@
   <p:clrMapOvr>
     <a:masterClrMapping/>
   </p:clrMapOvr>
-  <mc:AlternateContent xmlns:mc="http://schemas.openxmlformats.org/markup-compatibility/2006">
-    <mc:Choice xmlns:p159="http://schemas.microsoft.com/office/powerpoint/2015/09/main" Requires="p159">
+  <mc:AlternateContent xmlns:mc="http://schemas.openxmlformats.org/markup-compatibility/2006" xmlns:p159="http://schemas.microsoft.com/office/powerpoint/2015/09/main">
+    <mc:Choice Requires="p159">
       <p:transition spd="slow">
         <p159:morph option="byObject"/>
       </p:transition>
     </mc:Choice>
-    <mc:Fallback>
+    <mc:Fallback xmlns="">
       <p:transition spd="slow">
         <p:fade/>
       </p:transition>

--- a/bpjs.pptx
+++ b/bpjs.pptx
@@ -27,8 +27,10 @@
     <p:sldId id="268" r:id="rId21"/>
     <p:sldId id="274" r:id="rId22"/>
     <p:sldId id="277" r:id="rId23"/>
-    <p:sldId id="278" r:id="rId24"/>
-    <p:sldId id="280" r:id="rId25"/>
+    <p:sldId id="281" r:id="rId24"/>
+    <p:sldId id="278" r:id="rId25"/>
+    <p:sldId id="280" r:id="rId26"/>
+    <p:sldId id="282" r:id="rId27"/>
   </p:sldIdLst>
   <p:sldSz cx="12192000" cy="6858000"/>
   <p:notesSz cx="6858000" cy="9144000"/>
@@ -174,8 +176,10 @@
             <p14:sldId id="268"/>
             <p14:sldId id="274"/>
             <p14:sldId id="277"/>
+            <p14:sldId id="281"/>
             <p14:sldId id="278"/>
             <p14:sldId id="280"/>
+            <p14:sldId id="282"/>
           </p14:sldIdLst>
         </p14:section>
       </p14:sectionLst>
@@ -3946,7 +3950,7 @@
                                     <p:cond delay="0"/>
                                   </p:stCondLst>
                                   <p:childTnLst>
-                                    <p:animMotion origin="layout" path="M 2.5E-6 -0.00047 L 0.39258 0.00023 " pathEditMode="relative" rAng="0" ptsTypes="AA">
+                                    <p:animMotion origin="layout" path="M 1.25E-6 -0.00046 L 0.39258 0.00023 " pathEditMode="relative" rAng="0" ptsTypes="AA">
                                       <p:cBhvr>
                                         <p:cTn id="6" dur="2000" fill="hold"/>
                                         <p:tgtEl>
@@ -3968,7 +3972,7 @@
                                     <p:cond delay="0"/>
                                   </p:stCondLst>
                                   <p:childTnLst>
-                                    <p:animMotion origin="layout" path="M 1.11022E-16 -0.00046 L 0.51146 0.00093 " pathEditMode="relative" rAng="0" ptsTypes="AA">
+                                    <p:animMotion origin="layout" path="M 4.375E-6 -0.00046 L 0.51145 0.00092 " pathEditMode="relative" rAng="0" ptsTypes="AA">
                                       <p:cBhvr>
                                         <p:cTn id="8" dur="2000" fill="hold"/>
                                         <p:tgtEl>
@@ -15883,6 +15887,743 @@
       </p:sp>
       <p:sp>
         <p:nvSpPr>
+          <p:cNvPr id="25" name="TextBox 24">
+            <a:extLst>
+              <a:ext uri="{FF2B5EF4-FFF2-40B4-BE49-F238E27FC236}">
+                <a16:creationId xmlns:a16="http://schemas.microsoft.com/office/drawing/2014/main" id="{3171A2E7-8434-DD32-D66F-8348D090B3E4}"/>
+              </a:ext>
+            </a:extLst>
+          </p:cNvPr>
+          <p:cNvSpPr txBox="1"/>
+          <p:nvPr/>
+        </p:nvSpPr>
+        <p:spPr>
+          <a:xfrm>
+            <a:off x="2178335" y="1325559"/>
+            <a:ext cx="7378130" cy="369332"/>
+          </a:xfrm>
+          <a:prstGeom prst="rect">
+            <a:avLst/>
+          </a:prstGeom>
+          <a:noFill/>
+        </p:spPr>
+        <p:txBody>
+          <a:bodyPr wrap="square" rtlCol="0">
+            <a:spAutoFit/>
+          </a:bodyPr>
+          <a:lstStyle/>
+          <a:p>
+            <a:pPr algn="ctr"/>
+            <a:r>
+              <a:rPr lang="en-US" dirty="0">
+                <a:solidFill>
+                  <a:schemeClr val="bg1"/>
+                </a:solidFill>
+                <a:latin typeface="Arial Rounded MT Bold" panose="020F0704030504030204" pitchFamily="34" charset="0"/>
+              </a:rPr>
+              <a:t>Invers Target into Normal And Fitting Using Best Parameter</a:t>
+            </a:r>
+            <a:endParaRPr lang="id-ID" dirty="0">
+              <a:solidFill>
+                <a:schemeClr val="bg1"/>
+              </a:solidFill>
+              <a:latin typeface="Arial Rounded MT Bold" panose="020F0704030504030204" pitchFamily="34" charset="0"/>
+            </a:endParaRPr>
+          </a:p>
+        </p:txBody>
+      </p:sp>
+      <p:pic>
+        <p:nvPicPr>
+          <p:cNvPr id="13" name="Picture 12">
+            <a:extLst>
+              <a:ext uri="{FF2B5EF4-FFF2-40B4-BE49-F238E27FC236}">
+                <a16:creationId xmlns:a16="http://schemas.microsoft.com/office/drawing/2014/main" id="{EC15D11C-9340-37AF-1924-4E989D9FE328}"/>
+              </a:ext>
+            </a:extLst>
+          </p:cNvPr>
+          <p:cNvPicPr>
+            <a:picLocks noChangeAspect="1"/>
+          </p:cNvPicPr>
+          <p:nvPr/>
+        </p:nvPicPr>
+        <p:blipFill>
+          <a:blip r:embed="rId4"/>
+          <a:stretch>
+            <a:fillRect/>
+          </a:stretch>
+        </p:blipFill>
+        <p:spPr>
+          <a:xfrm>
+            <a:off x="2178335" y="1791987"/>
+            <a:ext cx="7905750" cy="4886325"/>
+          </a:xfrm>
+          <a:prstGeom prst="rect">
+            <a:avLst/>
+          </a:prstGeom>
+        </p:spPr>
+      </p:pic>
+    </p:spTree>
+    <p:extLst>
+      <p:ext uri="{BB962C8B-B14F-4D97-AF65-F5344CB8AC3E}">
+        <p14:creationId xmlns:p14="http://schemas.microsoft.com/office/powerpoint/2010/main" val="2789942889"/>
+      </p:ext>
+    </p:extLst>
+  </p:cSld>
+  <p:clrMapOvr>
+    <a:masterClrMapping/>
+  </p:clrMapOvr>
+  <mc:AlternateContent xmlns:mc="http://schemas.openxmlformats.org/markup-compatibility/2006" xmlns:p159="http://schemas.microsoft.com/office/powerpoint/2015/09/main">
+    <mc:Choice Requires="p159">
+      <p:transition spd="slow">
+        <p159:morph option="byObject"/>
+      </p:transition>
+    </mc:Choice>
+    <mc:Fallback xmlns="">
+      <p:transition spd="slow">
+        <p:fade/>
+      </p:transition>
+    </mc:Fallback>
+  </mc:AlternateContent>
+  <p:timing>
+    <p:tnLst>
+      <p:par>
+        <p:cTn id="1" dur="indefinite" restart="never" nodeType="tmRoot">
+          <p:childTnLst>
+            <p:seq concurrent="1" nextAc="seek">
+              <p:cTn id="2" dur="indefinite" nodeType="mainSeq">
+                <p:childTnLst>
+                  <p:par>
+                    <p:cTn id="3" fill="hold">
+                      <p:stCondLst>
+                        <p:cond delay="indefinite"/>
+                        <p:cond evt="onBegin" delay="0">
+                          <p:tn val="2"/>
+                        </p:cond>
+                      </p:stCondLst>
+                      <p:childTnLst>
+                        <p:par>
+                          <p:cTn id="4" fill="hold">
+                            <p:stCondLst>
+                              <p:cond delay="0"/>
+                            </p:stCondLst>
+                            <p:childTnLst>
+                              <p:par>
+                                <p:cTn id="5" presetID="26" presetClass="entr" presetSubtype="0" fill="hold" grpId="0" nodeType="withEffect">
+                                  <p:stCondLst>
+                                    <p:cond delay="0"/>
+                                  </p:stCondLst>
+                                  <p:childTnLst>
+                                    <p:set>
+                                      <p:cBhvr>
+                                        <p:cTn id="6" dur="1" fill="hold">
+                                          <p:stCondLst>
+                                            <p:cond delay="0"/>
+                                          </p:stCondLst>
+                                        </p:cTn>
+                                        <p:tgtEl>
+                                          <p:spTgt spid="25"/>
+                                        </p:tgtEl>
+                                        <p:attrNameLst>
+                                          <p:attrName>style.visibility</p:attrName>
+                                        </p:attrNameLst>
+                                      </p:cBhvr>
+                                      <p:to>
+                                        <p:strVal val="visible"/>
+                                      </p:to>
+                                    </p:set>
+                                    <p:animEffect transition="in" filter="wipe(down)">
+                                      <p:cBhvr>
+                                        <p:cTn id="7" dur="580">
+                                          <p:stCondLst>
+                                            <p:cond delay="0"/>
+                                          </p:stCondLst>
+                                        </p:cTn>
+                                        <p:tgtEl>
+                                          <p:spTgt spid="25"/>
+                                        </p:tgtEl>
+                                      </p:cBhvr>
+                                    </p:animEffect>
+                                    <p:anim calcmode="lin" valueType="num">
+                                      <p:cBhvr>
+                                        <p:cTn id="8" dur="1822" tmFilter="0,0; 0.14,0.36; 0.43,0.73; 0.71,0.91; 1.0,1.0">
+                                          <p:stCondLst>
+                                            <p:cond delay="0"/>
+                                          </p:stCondLst>
+                                        </p:cTn>
+                                        <p:tgtEl>
+                                          <p:spTgt spid="25"/>
+                                        </p:tgtEl>
+                                        <p:attrNameLst>
+                                          <p:attrName>ppt_x</p:attrName>
+                                        </p:attrNameLst>
+                                      </p:cBhvr>
+                                      <p:tavLst>
+                                        <p:tav tm="0">
+                                          <p:val>
+                                            <p:strVal val="#ppt_x-0.25"/>
+                                          </p:val>
+                                        </p:tav>
+                                        <p:tav tm="100000">
+                                          <p:val>
+                                            <p:strVal val="#ppt_x"/>
+                                          </p:val>
+                                        </p:tav>
+                                      </p:tavLst>
+                                    </p:anim>
+                                    <p:anim calcmode="lin" valueType="num">
+                                      <p:cBhvr>
+                                        <p:cTn id="9" dur="664" tmFilter="0.0,0.0; 0.25,0.07; 0.50,0.2; 0.75,0.467; 1.0,1.0">
+                                          <p:stCondLst>
+                                            <p:cond delay="0"/>
+                                          </p:stCondLst>
+                                        </p:cTn>
+                                        <p:tgtEl>
+                                          <p:spTgt spid="25"/>
+                                        </p:tgtEl>
+                                        <p:attrNameLst>
+                                          <p:attrName>ppt_y</p:attrName>
+                                        </p:attrNameLst>
+                                      </p:cBhvr>
+                                      <p:tavLst>
+                                        <p:tav tm="0" fmla="#ppt_y-sin(pi*$)/3">
+                                          <p:val>
+                                            <p:fltVal val="0.5"/>
+                                          </p:val>
+                                        </p:tav>
+                                        <p:tav tm="100000">
+                                          <p:val>
+                                            <p:fltVal val="1"/>
+                                          </p:val>
+                                        </p:tav>
+                                      </p:tavLst>
+                                    </p:anim>
+                                    <p:anim calcmode="lin" valueType="num">
+                                      <p:cBhvr>
+                                        <p:cTn id="10" dur="664" tmFilter="0, 0; 0.125,0.2665; 0.25,0.4; 0.375,0.465; 0.5,0.5;  0.625,0.535; 0.75,0.6; 0.875,0.7335; 1,1">
+                                          <p:stCondLst>
+                                            <p:cond delay="664"/>
+                                          </p:stCondLst>
+                                        </p:cTn>
+                                        <p:tgtEl>
+                                          <p:spTgt spid="25"/>
+                                        </p:tgtEl>
+                                        <p:attrNameLst>
+                                          <p:attrName>ppt_y</p:attrName>
+                                        </p:attrNameLst>
+                                      </p:cBhvr>
+                                      <p:tavLst>
+                                        <p:tav tm="0" fmla="#ppt_y-sin(pi*$)/9">
+                                          <p:val>
+                                            <p:fltVal val="0"/>
+                                          </p:val>
+                                        </p:tav>
+                                        <p:tav tm="100000">
+                                          <p:val>
+                                            <p:fltVal val="1"/>
+                                          </p:val>
+                                        </p:tav>
+                                      </p:tavLst>
+                                    </p:anim>
+                                    <p:anim calcmode="lin" valueType="num">
+                                      <p:cBhvr>
+                                        <p:cTn id="11" dur="332" tmFilter="0, 0; 0.125,0.2665; 0.25,0.4; 0.375,0.465; 0.5,0.5;  0.625,0.535; 0.75,0.6; 0.875,0.7335; 1,1">
+                                          <p:stCondLst>
+                                            <p:cond delay="1324"/>
+                                          </p:stCondLst>
+                                        </p:cTn>
+                                        <p:tgtEl>
+                                          <p:spTgt spid="25"/>
+                                        </p:tgtEl>
+                                        <p:attrNameLst>
+                                          <p:attrName>ppt_y</p:attrName>
+                                        </p:attrNameLst>
+                                      </p:cBhvr>
+                                      <p:tavLst>
+                                        <p:tav tm="0" fmla="#ppt_y-sin(pi*$)/27">
+                                          <p:val>
+                                            <p:fltVal val="0"/>
+                                          </p:val>
+                                        </p:tav>
+                                        <p:tav tm="100000">
+                                          <p:val>
+                                            <p:fltVal val="1"/>
+                                          </p:val>
+                                        </p:tav>
+                                      </p:tavLst>
+                                    </p:anim>
+                                    <p:anim calcmode="lin" valueType="num">
+                                      <p:cBhvr>
+                                        <p:cTn id="12" dur="164" tmFilter="0, 0; 0.125,0.2665; 0.25,0.4; 0.375,0.465; 0.5,0.5;  0.625,0.535; 0.75,0.6; 0.875,0.7335; 1,1">
+                                          <p:stCondLst>
+                                            <p:cond delay="1656"/>
+                                          </p:stCondLst>
+                                        </p:cTn>
+                                        <p:tgtEl>
+                                          <p:spTgt spid="25"/>
+                                        </p:tgtEl>
+                                        <p:attrNameLst>
+                                          <p:attrName>ppt_y</p:attrName>
+                                        </p:attrNameLst>
+                                      </p:cBhvr>
+                                      <p:tavLst>
+                                        <p:tav tm="0" fmla="#ppt_y-sin(pi*$)/81">
+                                          <p:val>
+                                            <p:fltVal val="0"/>
+                                          </p:val>
+                                        </p:tav>
+                                        <p:tav tm="100000">
+                                          <p:val>
+                                            <p:fltVal val="1"/>
+                                          </p:val>
+                                        </p:tav>
+                                      </p:tavLst>
+                                    </p:anim>
+                                    <p:animScale>
+                                      <p:cBhvr>
+                                        <p:cTn id="13" dur="26">
+                                          <p:stCondLst>
+                                            <p:cond delay="650"/>
+                                          </p:stCondLst>
+                                        </p:cTn>
+                                        <p:tgtEl>
+                                          <p:spTgt spid="25"/>
+                                        </p:tgtEl>
+                                      </p:cBhvr>
+                                      <p:to x="100000" y="60000"/>
+                                    </p:animScale>
+                                    <p:animScale>
+                                      <p:cBhvr>
+                                        <p:cTn id="14" dur="166" decel="50000">
+                                          <p:stCondLst>
+                                            <p:cond delay="676"/>
+                                          </p:stCondLst>
+                                        </p:cTn>
+                                        <p:tgtEl>
+                                          <p:spTgt spid="25"/>
+                                        </p:tgtEl>
+                                      </p:cBhvr>
+                                      <p:to x="100000" y="100000"/>
+                                    </p:animScale>
+                                    <p:animScale>
+                                      <p:cBhvr>
+                                        <p:cTn id="15" dur="26">
+                                          <p:stCondLst>
+                                            <p:cond delay="1312"/>
+                                          </p:stCondLst>
+                                        </p:cTn>
+                                        <p:tgtEl>
+                                          <p:spTgt spid="25"/>
+                                        </p:tgtEl>
+                                      </p:cBhvr>
+                                      <p:to x="100000" y="80000"/>
+                                    </p:animScale>
+                                    <p:animScale>
+                                      <p:cBhvr>
+                                        <p:cTn id="16" dur="166" decel="50000">
+                                          <p:stCondLst>
+                                            <p:cond delay="1338"/>
+                                          </p:stCondLst>
+                                        </p:cTn>
+                                        <p:tgtEl>
+                                          <p:spTgt spid="25"/>
+                                        </p:tgtEl>
+                                      </p:cBhvr>
+                                      <p:to x="100000" y="100000"/>
+                                    </p:animScale>
+                                    <p:animScale>
+                                      <p:cBhvr>
+                                        <p:cTn id="17" dur="26">
+                                          <p:stCondLst>
+                                            <p:cond delay="1642"/>
+                                          </p:stCondLst>
+                                        </p:cTn>
+                                        <p:tgtEl>
+                                          <p:spTgt spid="25"/>
+                                        </p:tgtEl>
+                                      </p:cBhvr>
+                                      <p:to x="100000" y="90000"/>
+                                    </p:animScale>
+                                    <p:animScale>
+                                      <p:cBhvr>
+                                        <p:cTn id="18" dur="166" decel="50000">
+                                          <p:stCondLst>
+                                            <p:cond delay="1668"/>
+                                          </p:stCondLst>
+                                        </p:cTn>
+                                        <p:tgtEl>
+                                          <p:spTgt spid="25"/>
+                                        </p:tgtEl>
+                                      </p:cBhvr>
+                                      <p:to x="100000" y="100000"/>
+                                    </p:animScale>
+                                    <p:animScale>
+                                      <p:cBhvr>
+                                        <p:cTn id="19" dur="26">
+                                          <p:stCondLst>
+                                            <p:cond delay="1808"/>
+                                          </p:stCondLst>
+                                        </p:cTn>
+                                        <p:tgtEl>
+                                          <p:spTgt spid="25"/>
+                                        </p:tgtEl>
+                                      </p:cBhvr>
+                                      <p:to x="100000" y="95000"/>
+                                    </p:animScale>
+                                    <p:animScale>
+                                      <p:cBhvr>
+                                        <p:cTn id="20" dur="166" decel="50000">
+                                          <p:stCondLst>
+                                            <p:cond delay="1834"/>
+                                          </p:stCondLst>
+                                        </p:cTn>
+                                        <p:tgtEl>
+                                          <p:spTgt spid="25"/>
+                                        </p:tgtEl>
+                                      </p:cBhvr>
+                                      <p:to x="100000" y="100000"/>
+                                    </p:animScale>
+                                  </p:childTnLst>
+                                </p:cTn>
+                              </p:par>
+                            </p:childTnLst>
+                          </p:cTn>
+                        </p:par>
+                      </p:childTnLst>
+                    </p:cTn>
+                  </p:par>
+                </p:childTnLst>
+              </p:cTn>
+              <p:prevCondLst>
+                <p:cond evt="onPrev" delay="0">
+                  <p:tgtEl>
+                    <p:sldTgt/>
+                  </p:tgtEl>
+                </p:cond>
+              </p:prevCondLst>
+              <p:nextCondLst>
+                <p:cond evt="onNext" delay="0">
+                  <p:tgtEl>
+                    <p:sldTgt/>
+                  </p:tgtEl>
+                </p:cond>
+              </p:nextCondLst>
+            </p:seq>
+          </p:childTnLst>
+        </p:cTn>
+      </p:par>
+    </p:tnLst>
+    <p:bldLst>
+      <p:bldP spid="25" grpId="0"/>
+    </p:bldLst>
+  </p:timing>
+</p:sld>
+</file>
+
+<file path=ppt/slides/slide23.xml><?xml version="1.0" encoding="utf-8"?>
+<p:sld xmlns:a="http://schemas.openxmlformats.org/drawingml/2006/main" xmlns:r="http://schemas.openxmlformats.org/officeDocument/2006/relationships" xmlns:p="http://schemas.openxmlformats.org/presentationml/2006/main">
+  <p:cSld>
+    <p:spTree>
+      <p:nvGrpSpPr>
+        <p:cNvPr id="1" name=""/>
+        <p:cNvGrpSpPr/>
+        <p:nvPr/>
+      </p:nvGrpSpPr>
+      <p:grpSpPr>
+        <a:xfrm>
+          <a:off x="0" y="0"/>
+          <a:ext cx="0" cy="0"/>
+          <a:chOff x="0" y="0"/>
+          <a:chExt cx="0" cy="0"/>
+        </a:xfrm>
+      </p:grpSpPr>
+      <p:sp>
+        <p:nvSpPr>
+          <p:cNvPr id="3" name="Oval 2">
+            <a:extLst>
+              <a:ext uri="{FF2B5EF4-FFF2-40B4-BE49-F238E27FC236}">
+                <a16:creationId xmlns:a16="http://schemas.microsoft.com/office/drawing/2014/main" id="{3CF604E3-BBB6-E890-4992-75D6AC64B5BA}"/>
+              </a:ext>
+            </a:extLst>
+          </p:cNvPr>
+          <p:cNvSpPr/>
+          <p:nvPr/>
+        </p:nvSpPr>
+        <p:spPr>
+          <a:xfrm>
+            <a:off x="-1816100" y="-3870036"/>
+            <a:ext cx="15367000" cy="13928435"/>
+          </a:xfrm>
+          <a:prstGeom prst="ellipse">
+            <a:avLst/>
+          </a:prstGeom>
+          <a:solidFill>
+            <a:schemeClr val="accent1">
+              <a:alpha val="11000"/>
+            </a:schemeClr>
+          </a:solidFill>
+        </p:spPr>
+        <p:style>
+          <a:lnRef idx="2">
+            <a:schemeClr val="accent1">
+              <a:shade val="50000"/>
+            </a:schemeClr>
+          </a:lnRef>
+          <a:fillRef idx="1">
+            <a:schemeClr val="accent1"/>
+          </a:fillRef>
+          <a:effectRef idx="0">
+            <a:schemeClr val="accent1"/>
+          </a:effectRef>
+          <a:fontRef idx="minor">
+            <a:schemeClr val="lt1"/>
+          </a:fontRef>
+        </p:style>
+        <p:txBody>
+          <a:bodyPr rtlCol="0" anchor="ctr"/>
+          <a:lstStyle/>
+          <a:p>
+            <a:pPr algn="ctr"/>
+            <a:endParaRPr lang="id-ID"/>
+          </a:p>
+        </p:txBody>
+      </p:sp>
+      <p:sp>
+        <p:nvSpPr>
+          <p:cNvPr id="2" name="Rectangle 1">
+            <a:extLst>
+              <a:ext uri="{FF2B5EF4-FFF2-40B4-BE49-F238E27FC236}">
+                <a16:creationId xmlns:a16="http://schemas.microsoft.com/office/drawing/2014/main" id="{01006BA6-B52A-19A3-9BAE-79621C88A8E0}"/>
+              </a:ext>
+            </a:extLst>
+          </p:cNvPr>
+          <p:cNvSpPr/>
+          <p:nvPr/>
+        </p:nvSpPr>
+        <p:spPr>
+          <a:xfrm>
+            <a:off x="25400" y="1"/>
+            <a:ext cx="12192000" cy="6857999"/>
+          </a:xfrm>
+          <a:prstGeom prst="rect">
+            <a:avLst/>
+          </a:prstGeom>
+          <a:gradFill>
+            <a:gsLst>
+              <a:gs pos="100000">
+                <a:srgbClr val="002060"/>
+              </a:gs>
+              <a:gs pos="7000">
+                <a:srgbClr val="002060">
+                  <a:lumMod val="98000"/>
+                </a:srgbClr>
+              </a:gs>
+              <a:gs pos="56000">
+                <a:schemeClr val="bg2">
+                  <a:lumMod val="10000"/>
+                </a:schemeClr>
+              </a:gs>
+            </a:gsLst>
+            <a:path path="circle">
+              <a:fillToRect l="100000" t="100000"/>
+            </a:path>
+          </a:gradFill>
+        </p:spPr>
+        <p:style>
+          <a:lnRef idx="2">
+            <a:schemeClr val="accent1">
+              <a:shade val="50000"/>
+            </a:schemeClr>
+          </a:lnRef>
+          <a:fillRef idx="1">
+            <a:schemeClr val="accent1"/>
+          </a:fillRef>
+          <a:effectRef idx="0">
+            <a:schemeClr val="accent1"/>
+          </a:effectRef>
+          <a:fontRef idx="minor">
+            <a:schemeClr val="lt1"/>
+          </a:fontRef>
+        </p:style>
+        <p:txBody>
+          <a:bodyPr rtlCol="0" anchor="ctr"/>
+          <a:lstStyle/>
+          <a:p>
+            <a:pPr algn="ctr"/>
+            <a:endParaRPr lang="id-ID"/>
+          </a:p>
+        </p:txBody>
+      </p:sp>
+      <p:grpSp>
+        <p:nvGrpSpPr>
+          <p:cNvPr id="11" name="Group 10">
+            <a:extLst>
+              <a:ext uri="{FF2B5EF4-FFF2-40B4-BE49-F238E27FC236}">
+                <a16:creationId xmlns:a16="http://schemas.microsoft.com/office/drawing/2014/main" id="{967DAEA0-A5ED-FD7F-16FF-E6CD2E59F939}"/>
+              </a:ext>
+            </a:extLst>
+          </p:cNvPr>
+          <p:cNvGrpSpPr/>
+          <p:nvPr/>
+        </p:nvGrpSpPr>
+        <p:grpSpPr>
+          <a:xfrm>
+            <a:off x="0" y="1"/>
+            <a:ext cx="1682395" cy="1597794"/>
+            <a:chOff x="3698708" y="915877"/>
+            <a:chExt cx="5102592" cy="4846003"/>
+          </a:xfrm>
+        </p:grpSpPr>
+        <p:pic>
+          <p:nvPicPr>
+            <p:cNvPr id="6" name="Graphic 5">
+              <a:extLst>
+                <a:ext uri="{FF2B5EF4-FFF2-40B4-BE49-F238E27FC236}">
+                  <a16:creationId xmlns:a16="http://schemas.microsoft.com/office/drawing/2014/main" id="{1AA231AB-1A00-C5F9-0F1B-F252CF98F0F0}"/>
+                </a:ext>
+              </a:extLst>
+            </p:cNvPr>
+            <p:cNvPicPr>
+              <a:picLocks noChangeAspect="1"/>
+            </p:cNvPicPr>
+            <p:nvPr/>
+          </p:nvPicPr>
+          <p:blipFill>
+            <a:blip r:embed="rId2">
+              <a:extLst>
+                <a:ext uri="{28A0092B-C50C-407E-A947-70E740481C1C}">
+                  <a14:useLocalDpi xmlns:a14="http://schemas.microsoft.com/office/drawing/2010/main" val="0"/>
+                </a:ext>
+                <a:ext uri="{96DAC541-7B7A-43D3-8B79-37D633B846F1}">
+                  <asvg:svgBlip xmlns:asvg="http://schemas.microsoft.com/office/drawing/2016/SVG/main" r:embed="rId3"/>
+                </a:ext>
+              </a:extLst>
+            </a:blip>
+            <a:stretch>
+              <a:fillRect/>
+            </a:stretch>
+          </p:blipFill>
+          <p:spPr>
+            <a:xfrm>
+              <a:off x="3698708" y="915877"/>
+              <a:ext cx="5102592" cy="4846003"/>
+            </a:xfrm>
+            <a:prstGeom prst="rect">
+              <a:avLst/>
+            </a:prstGeom>
+          </p:spPr>
+        </p:pic>
+        <p:sp>
+          <p:nvSpPr>
+            <p:cNvPr id="7" name="Oval 6">
+              <a:extLst>
+                <a:ext uri="{FF2B5EF4-FFF2-40B4-BE49-F238E27FC236}">
+                  <a16:creationId xmlns:a16="http://schemas.microsoft.com/office/drawing/2014/main" id="{49412C3E-F39F-AEEE-ADDD-5D3C7C00E32A}"/>
+                </a:ext>
+              </a:extLst>
+            </p:cNvPr>
+            <p:cNvSpPr/>
+            <p:nvPr/>
+          </p:nvSpPr>
+          <p:spPr>
+            <a:xfrm>
+              <a:off x="4898268" y="2163937"/>
+              <a:ext cx="2549468" cy="2530126"/>
+            </a:xfrm>
+            <a:prstGeom prst="ellipse">
+              <a:avLst/>
+            </a:prstGeom>
+            <a:solidFill>
+              <a:schemeClr val="accent2">
+                <a:lumMod val="20000"/>
+                <a:lumOff val="80000"/>
+              </a:schemeClr>
+            </a:solidFill>
+          </p:spPr>
+          <p:style>
+            <a:lnRef idx="2">
+              <a:schemeClr val="accent1">
+                <a:shade val="50000"/>
+              </a:schemeClr>
+            </a:lnRef>
+            <a:fillRef idx="1">
+              <a:schemeClr val="accent1"/>
+            </a:fillRef>
+            <a:effectRef idx="0">
+              <a:schemeClr val="accent1"/>
+            </a:effectRef>
+            <a:fontRef idx="minor">
+              <a:schemeClr val="lt1"/>
+            </a:fontRef>
+          </p:style>
+          <p:txBody>
+            <a:bodyPr rtlCol="0" anchor="ctr"/>
+            <a:lstStyle/>
+            <a:p>
+              <a:pPr algn="ctr"/>
+              <a:endParaRPr lang="id-ID" sz="1600" dirty="0">
+                <a:solidFill>
+                  <a:schemeClr val="tx2">
+                    <a:lumMod val="50000"/>
+                  </a:schemeClr>
+                </a:solidFill>
+              </a:endParaRPr>
+            </a:p>
+          </p:txBody>
+        </p:sp>
+      </p:grpSp>
+      <p:sp>
+        <p:nvSpPr>
+          <p:cNvPr id="9" name="TextBox 8">
+            <a:extLst>
+              <a:ext uri="{FF2B5EF4-FFF2-40B4-BE49-F238E27FC236}">
+                <a16:creationId xmlns:a16="http://schemas.microsoft.com/office/drawing/2014/main" id="{D0517219-2FD2-79E3-9F73-761262EA2D42}"/>
+              </a:ext>
+            </a:extLst>
+          </p:cNvPr>
+          <p:cNvSpPr txBox="1"/>
+          <p:nvPr/>
+        </p:nvSpPr>
+        <p:spPr>
+          <a:xfrm>
+            <a:off x="1631616" y="411504"/>
+            <a:ext cx="2786379" cy="707886"/>
+          </a:xfrm>
+          <a:prstGeom prst="rect">
+            <a:avLst/>
+          </a:prstGeom>
+          <a:noFill/>
+        </p:spPr>
+        <p:txBody>
+          <a:bodyPr wrap="square" rtlCol="0">
+            <a:spAutoFit/>
+          </a:bodyPr>
+          <a:lstStyle/>
+          <a:p>
+            <a:r>
+              <a:rPr lang="en-US" sz="2000" dirty="0">
+                <a:solidFill>
+                  <a:schemeClr val="bg1"/>
+                </a:solidFill>
+                <a:latin typeface="Arial Rounded MT Bold" panose="020F0704030504030204" pitchFamily="34" charset="0"/>
+              </a:rPr>
+              <a:t>MODELLING </a:t>
+            </a:r>
+          </a:p>
+          <a:p>
+            <a:r>
+              <a:rPr lang="en-US" sz="2000" dirty="0">
+                <a:solidFill>
+                  <a:schemeClr val="bg1"/>
+                </a:solidFill>
+                <a:latin typeface="Arial Rounded MT Bold" panose="020F0704030504030204" pitchFamily="34" charset="0"/>
+              </a:rPr>
+              <a:t>AND DEVELOPMENT</a:t>
+            </a:r>
+          </a:p>
+        </p:txBody>
+      </p:sp>
+      <p:sp>
+        <p:nvSpPr>
           <p:cNvPr id="24" name="TextBox 23">
             <a:extLst>
               <a:ext uri="{FF2B5EF4-FFF2-40B4-BE49-F238E27FC236}">
@@ -16029,120 +16770,98 @@
           </a:p>
         </p:txBody>
       </p:sp>
-      <p:grpSp>
-        <p:nvGrpSpPr>
-          <p:cNvPr id="12" name="Group 11">
-            <a:extLst>
-              <a:ext uri="{FF2B5EF4-FFF2-40B4-BE49-F238E27FC236}">
-                <a16:creationId xmlns:a16="http://schemas.microsoft.com/office/drawing/2014/main" id="{A0234630-8FF8-CA0E-1D9E-AD50B1193D41}"/>
-              </a:ext>
-            </a:extLst>
-          </p:cNvPr>
-          <p:cNvGrpSpPr/>
+      <p:sp>
+        <p:nvSpPr>
+          <p:cNvPr id="26" name="Rectangle 25">
+            <a:extLst>
+              <a:ext uri="{FF2B5EF4-FFF2-40B4-BE49-F238E27FC236}">
+                <a16:creationId xmlns:a16="http://schemas.microsoft.com/office/drawing/2014/main" id="{E5B1CFF5-C310-D5DD-61C3-99DB7D6A715D}"/>
+              </a:ext>
+            </a:extLst>
+          </p:cNvPr>
+          <p:cNvSpPr/>
           <p:nvPr/>
-        </p:nvGrpSpPr>
-        <p:grpSpPr>
+        </p:nvSpPr>
+        <p:spPr>
           <a:xfrm>
-            <a:off x="494018" y="2652506"/>
-            <a:ext cx="11271259" cy="2172953"/>
-            <a:chOff x="494021" y="1597795"/>
-            <a:chExt cx="11271259" cy="2172953"/>
+            <a:off x="494018" y="2184400"/>
+            <a:ext cx="11271259" cy="3283432"/>
           </a:xfrm>
-        </p:grpSpPr>
-        <p:sp>
-          <p:nvSpPr>
-            <p:cNvPr id="26" name="Rectangle 25">
-              <a:extLst>
-                <a:ext uri="{FF2B5EF4-FFF2-40B4-BE49-F238E27FC236}">
-                  <a16:creationId xmlns:a16="http://schemas.microsoft.com/office/drawing/2014/main" id="{E5B1CFF5-C310-D5DD-61C3-99DB7D6A715D}"/>
-                </a:ext>
-              </a:extLst>
-            </p:cNvPr>
-            <p:cNvSpPr/>
-            <p:nvPr/>
-          </p:nvSpPr>
-          <p:spPr>
-            <a:xfrm>
-              <a:off x="494021" y="1597795"/>
-              <a:ext cx="11271259" cy="2172953"/>
-            </a:xfrm>
-            <a:prstGeom prst="rect">
-              <a:avLst/>
-            </a:prstGeom>
-          </p:spPr>
-          <p:style>
-            <a:lnRef idx="2">
-              <a:schemeClr val="accent1">
-                <a:shade val="50000"/>
-              </a:schemeClr>
-            </a:lnRef>
-            <a:fillRef idx="1">
-              <a:schemeClr val="accent1"/>
-            </a:fillRef>
-            <a:effectRef idx="0">
-              <a:schemeClr val="accent1"/>
-            </a:effectRef>
-            <a:fontRef idx="minor">
-              <a:schemeClr val="lt1"/>
-            </a:fontRef>
-          </p:style>
-          <p:txBody>
-            <a:bodyPr rtlCol="0" anchor="ctr"/>
-            <a:lstStyle/>
-            <a:p>
-              <a:pPr algn="ctr"/>
-              <a:endParaRPr lang="id-ID"/>
-            </a:p>
-          </p:txBody>
-        </p:sp>
-        <p:pic>
-          <p:nvPicPr>
-            <p:cNvPr id="8" name="Picture 7">
-              <a:extLst>
-                <a:ext uri="{FF2B5EF4-FFF2-40B4-BE49-F238E27FC236}">
-                  <a16:creationId xmlns:a16="http://schemas.microsoft.com/office/drawing/2014/main" id="{36971F48-ED37-7877-9930-6F90B32B16EA}"/>
-                </a:ext>
-              </a:extLst>
-            </p:cNvPr>
-            <p:cNvPicPr>
-              <a:picLocks noChangeAspect="1"/>
-            </p:cNvPicPr>
-            <p:nvPr/>
-          </p:nvPicPr>
-          <p:blipFill>
-            <a:blip r:embed="rId4"/>
-            <a:stretch>
-              <a:fillRect/>
-            </a:stretch>
-          </p:blipFill>
-          <p:spPr>
-            <a:xfrm>
-              <a:off x="781021" y="1932740"/>
-              <a:ext cx="10697257" cy="1281579"/>
-            </a:xfrm>
-            <a:prstGeom prst="rect">
-              <a:avLst/>
-            </a:prstGeom>
-          </p:spPr>
-        </p:pic>
-      </p:grpSp>
+          <a:prstGeom prst="rect">
+            <a:avLst/>
+          </a:prstGeom>
+        </p:spPr>
+        <p:style>
+          <a:lnRef idx="2">
+            <a:schemeClr val="accent1">
+              <a:shade val="50000"/>
+            </a:schemeClr>
+          </a:lnRef>
+          <a:fillRef idx="1">
+            <a:schemeClr val="accent1"/>
+          </a:fillRef>
+          <a:effectRef idx="0">
+            <a:schemeClr val="accent1"/>
+          </a:effectRef>
+          <a:fontRef idx="minor">
+            <a:schemeClr val="lt1"/>
+          </a:fontRef>
+        </p:style>
+        <p:txBody>
+          <a:bodyPr rtlCol="0" anchor="ctr"/>
+          <a:lstStyle/>
+          <a:p>
+            <a:pPr algn="ctr"/>
+            <a:endParaRPr lang="id-ID"/>
+          </a:p>
+        </p:txBody>
+      </p:sp>
+      <p:pic>
+        <p:nvPicPr>
+          <p:cNvPr id="5" name="Picture 4">
+            <a:extLst>
+              <a:ext uri="{FF2B5EF4-FFF2-40B4-BE49-F238E27FC236}">
+                <a16:creationId xmlns:a16="http://schemas.microsoft.com/office/drawing/2014/main" id="{B1E80A3C-E248-A272-AE35-44C382C441E3}"/>
+              </a:ext>
+            </a:extLst>
+          </p:cNvPr>
+          <p:cNvPicPr>
+            <a:picLocks noChangeAspect="1"/>
+          </p:cNvPicPr>
+          <p:nvPr/>
+        </p:nvPicPr>
+        <p:blipFill rotWithShape="1">
+          <a:blip r:embed="rId4"/>
+          <a:srcRect t="6931"/>
+          <a:stretch/>
+        </p:blipFill>
+        <p:spPr>
+          <a:xfrm>
+            <a:off x="598182" y="2865119"/>
+            <a:ext cx="11099800" cy="1901005"/>
+          </a:xfrm>
+          <a:prstGeom prst="rect">
+            <a:avLst/>
+          </a:prstGeom>
+        </p:spPr>
+      </p:pic>
     </p:spTree>
     <p:extLst>
       <p:ext uri="{BB962C8B-B14F-4D97-AF65-F5344CB8AC3E}">
-        <p14:creationId xmlns:p14="http://schemas.microsoft.com/office/powerpoint/2010/main" val="2789942889"/>
+        <p14:creationId xmlns:p14="http://schemas.microsoft.com/office/powerpoint/2010/main" val="331179761"/>
       </p:ext>
     </p:extLst>
   </p:cSld>
   <p:clrMapOvr>
     <a:masterClrMapping/>
   </p:clrMapOvr>
-  <mc:AlternateContent xmlns:mc="http://schemas.openxmlformats.org/markup-compatibility/2006" xmlns:p159="http://schemas.microsoft.com/office/powerpoint/2015/09/main">
-    <mc:Choice Requires="p159">
+  <mc:AlternateContent xmlns:mc="http://schemas.openxmlformats.org/markup-compatibility/2006">
+    <mc:Choice xmlns:p159="http://schemas.microsoft.com/office/powerpoint/2015/09/main" Requires="p159">
       <p:transition spd="slow">
         <p159:morph option="byObject"/>
       </p:transition>
     </mc:Choice>
-    <mc:Fallback xmlns="">
+    <mc:Fallback>
       <p:transition spd="slow">
         <p:fade/>
       </p:transition>
@@ -16507,7 +17226,7 @@
 </p:sld>
 </file>
 
-<file path=ppt/slides/slide23.xml><?xml version="1.0" encoding="utf-8"?>
+<file path=ppt/slides/slide24.xml><?xml version="1.0" encoding="utf-8"?>
 <p:sld xmlns:a="http://schemas.openxmlformats.org/drawingml/2006/main" xmlns:r="http://schemas.openxmlformats.org/officeDocument/2006/relationships" xmlns:p="http://schemas.openxmlformats.org/presentationml/2006/main">
   <p:cSld>
     <p:spTree>
@@ -16939,10 +17658,10 @@
       </p:sp>
       <p:pic>
         <p:nvPicPr>
-          <p:cNvPr id="17" name="Picture 16">
-            <a:extLst>
-              <a:ext uri="{FF2B5EF4-FFF2-40B4-BE49-F238E27FC236}">
-                <a16:creationId xmlns:a16="http://schemas.microsoft.com/office/drawing/2014/main" id="{748971CC-B1ED-C53B-2381-F48AB935BDFA}"/>
+          <p:cNvPr id="10" name="Picture 9">
+            <a:extLst>
+              <a:ext uri="{FF2B5EF4-FFF2-40B4-BE49-F238E27FC236}">
+                <a16:creationId xmlns:a16="http://schemas.microsoft.com/office/drawing/2014/main" id="{9C2DDA44-EB8A-376B-C9D7-C552D886C18F}"/>
               </a:ext>
             </a:extLst>
           </p:cNvPr>
@@ -16959,8 +17678,8 @@
         </p:blipFill>
         <p:spPr>
           <a:xfrm>
-            <a:off x="584580" y="1570238"/>
-            <a:ext cx="5122537" cy="3369642"/>
+            <a:off x="1783995" y="1493717"/>
+            <a:ext cx="3822243" cy="3559646"/>
           </a:xfrm>
           <a:prstGeom prst="rect">
             <a:avLst/>
@@ -16969,10 +17688,10 @@
       </p:pic>
       <p:pic>
         <p:nvPicPr>
-          <p:cNvPr id="19" name="Picture 18">
-            <a:extLst>
-              <a:ext uri="{FF2B5EF4-FFF2-40B4-BE49-F238E27FC236}">
-                <a16:creationId xmlns:a16="http://schemas.microsoft.com/office/drawing/2014/main" id="{4CC08299-3C82-7287-9054-34714B28AB3E}"/>
+          <p:cNvPr id="13" name="Picture 12">
+            <a:extLst>
+              <a:ext uri="{FF2B5EF4-FFF2-40B4-BE49-F238E27FC236}">
+                <a16:creationId xmlns:a16="http://schemas.microsoft.com/office/drawing/2014/main" id="{58E989D4-ED5A-9DB1-3A41-7A37D0CE28DC}"/>
               </a:ext>
             </a:extLst>
           </p:cNvPr>
@@ -16989,8 +17708,8 @@
         </p:blipFill>
         <p:spPr>
           <a:xfrm>
-            <a:off x="6592876" y="1545472"/>
-            <a:ext cx="4558600" cy="3488019"/>
+            <a:off x="6400335" y="1479178"/>
+            <a:ext cx="3617425" cy="3558945"/>
           </a:xfrm>
           <a:prstGeom prst="rect">
             <a:avLst/>
@@ -17132,7 +17851,7 @@
 </p:sld>
 </file>
 
-<file path=ppt/slides/slide24.xml><?xml version="1.0" encoding="utf-8"?>
+<file path=ppt/slides/slide25.xml><?xml version="1.0" encoding="utf-8"?>
 <p:sld xmlns:a="http://schemas.openxmlformats.org/drawingml/2006/main" xmlns:r="http://schemas.openxmlformats.org/officeDocument/2006/relationships" xmlns:p="http://schemas.openxmlformats.org/presentationml/2006/main">
   <p:cSld>
     <p:spTree>
@@ -17329,6 +18048,604 @@
       </p:transition>
     </mc:Fallback>
   </mc:AlternateContent>
+</p:sld>
+</file>
+
+<file path=ppt/slides/slide26.xml><?xml version="1.0" encoding="utf-8"?>
+<p:sld xmlns:a="http://schemas.openxmlformats.org/drawingml/2006/main" xmlns:r="http://schemas.openxmlformats.org/officeDocument/2006/relationships" xmlns:p="http://schemas.openxmlformats.org/presentationml/2006/main">
+  <p:cSld>
+    <p:spTree>
+      <p:nvGrpSpPr>
+        <p:cNvPr id="1" name=""/>
+        <p:cNvGrpSpPr/>
+        <p:nvPr/>
+      </p:nvGrpSpPr>
+      <p:grpSpPr>
+        <a:xfrm>
+          <a:off x="0" y="0"/>
+          <a:ext cx="0" cy="0"/>
+          <a:chOff x="0" y="0"/>
+          <a:chExt cx="0" cy="0"/>
+        </a:xfrm>
+      </p:grpSpPr>
+      <p:sp>
+        <p:nvSpPr>
+          <p:cNvPr id="3" name="Oval 2">
+            <a:extLst>
+              <a:ext uri="{FF2B5EF4-FFF2-40B4-BE49-F238E27FC236}">
+                <a16:creationId xmlns:a16="http://schemas.microsoft.com/office/drawing/2014/main" id="{3CF604E3-BBB6-E890-4992-75D6AC64B5BA}"/>
+              </a:ext>
+            </a:extLst>
+          </p:cNvPr>
+          <p:cNvSpPr/>
+          <p:nvPr/>
+        </p:nvSpPr>
+        <p:spPr>
+          <a:xfrm>
+            <a:off x="-1816100" y="-3870036"/>
+            <a:ext cx="15367000" cy="13928435"/>
+          </a:xfrm>
+          <a:prstGeom prst="ellipse">
+            <a:avLst/>
+          </a:prstGeom>
+          <a:solidFill>
+            <a:schemeClr val="accent1">
+              <a:alpha val="11000"/>
+            </a:schemeClr>
+          </a:solidFill>
+        </p:spPr>
+        <p:style>
+          <a:lnRef idx="2">
+            <a:schemeClr val="accent1">
+              <a:shade val="50000"/>
+            </a:schemeClr>
+          </a:lnRef>
+          <a:fillRef idx="1">
+            <a:schemeClr val="accent1"/>
+          </a:fillRef>
+          <a:effectRef idx="0">
+            <a:schemeClr val="accent1"/>
+          </a:effectRef>
+          <a:fontRef idx="minor">
+            <a:schemeClr val="lt1"/>
+          </a:fontRef>
+        </p:style>
+        <p:txBody>
+          <a:bodyPr rtlCol="0" anchor="ctr"/>
+          <a:lstStyle/>
+          <a:p>
+            <a:pPr algn="ctr"/>
+            <a:endParaRPr lang="id-ID"/>
+          </a:p>
+        </p:txBody>
+      </p:sp>
+      <p:sp>
+        <p:nvSpPr>
+          <p:cNvPr id="2" name="Rectangle 1">
+            <a:extLst>
+              <a:ext uri="{FF2B5EF4-FFF2-40B4-BE49-F238E27FC236}">
+                <a16:creationId xmlns:a16="http://schemas.microsoft.com/office/drawing/2014/main" id="{01006BA6-B52A-19A3-9BAE-79621C88A8E0}"/>
+              </a:ext>
+            </a:extLst>
+          </p:cNvPr>
+          <p:cNvSpPr/>
+          <p:nvPr/>
+        </p:nvSpPr>
+        <p:spPr>
+          <a:xfrm>
+            <a:off x="25400" y="1"/>
+            <a:ext cx="12192000" cy="6857999"/>
+          </a:xfrm>
+          <a:prstGeom prst="rect">
+            <a:avLst/>
+          </a:prstGeom>
+          <a:gradFill>
+            <a:gsLst>
+              <a:gs pos="100000">
+                <a:srgbClr val="002060"/>
+              </a:gs>
+              <a:gs pos="7000">
+                <a:srgbClr val="002060">
+                  <a:lumMod val="98000"/>
+                </a:srgbClr>
+              </a:gs>
+              <a:gs pos="56000">
+                <a:schemeClr val="bg2">
+                  <a:lumMod val="10000"/>
+                </a:schemeClr>
+              </a:gs>
+            </a:gsLst>
+            <a:path path="circle">
+              <a:fillToRect l="100000" t="100000"/>
+            </a:path>
+          </a:gradFill>
+        </p:spPr>
+        <p:style>
+          <a:lnRef idx="2">
+            <a:schemeClr val="accent1">
+              <a:shade val="50000"/>
+            </a:schemeClr>
+          </a:lnRef>
+          <a:fillRef idx="1">
+            <a:schemeClr val="accent1"/>
+          </a:fillRef>
+          <a:effectRef idx="0">
+            <a:schemeClr val="accent1"/>
+          </a:effectRef>
+          <a:fontRef idx="minor">
+            <a:schemeClr val="lt1"/>
+          </a:fontRef>
+        </p:style>
+        <p:txBody>
+          <a:bodyPr rtlCol="0" anchor="ctr"/>
+          <a:lstStyle/>
+          <a:p>
+            <a:pPr algn="ctr"/>
+            <a:endParaRPr lang="id-ID"/>
+          </a:p>
+        </p:txBody>
+      </p:sp>
+      <p:sp>
+        <p:nvSpPr>
+          <p:cNvPr id="25" name="TextBox 24">
+            <a:extLst>
+              <a:ext uri="{FF2B5EF4-FFF2-40B4-BE49-F238E27FC236}">
+                <a16:creationId xmlns:a16="http://schemas.microsoft.com/office/drawing/2014/main" id="{3171A2E7-8434-DD32-D66F-8348D090B3E4}"/>
+              </a:ext>
+            </a:extLst>
+          </p:cNvPr>
+          <p:cNvSpPr txBox="1"/>
+          <p:nvPr/>
+        </p:nvSpPr>
+        <p:spPr>
+          <a:xfrm>
+            <a:off x="2224268" y="2004838"/>
+            <a:ext cx="8738372" cy="1938992"/>
+          </a:xfrm>
+          <a:prstGeom prst="rect">
+            <a:avLst/>
+          </a:prstGeom>
+          <a:noFill/>
+        </p:spPr>
+        <p:txBody>
+          <a:bodyPr wrap="square" rtlCol="0">
+            <a:spAutoFit/>
+          </a:bodyPr>
+          <a:lstStyle/>
+          <a:p>
+            <a:r>
+              <a:rPr lang="en-US" sz="2400" b="1" dirty="0" err="1">
+                <a:solidFill>
+                  <a:schemeClr val="bg1">
+                    <a:lumMod val="95000"/>
+                  </a:schemeClr>
+                </a:solidFill>
+              </a:rPr>
+              <a:t>Github</a:t>
+            </a:r>
+            <a:r>
+              <a:rPr lang="en-US" sz="2400" b="1" dirty="0">
+                <a:solidFill>
+                  <a:schemeClr val="bg1">
+                    <a:lumMod val="95000"/>
+                  </a:schemeClr>
+                </a:solidFill>
+              </a:rPr>
+              <a:t> 	: https://github.com/yodialfa/ </a:t>
+            </a:r>
+          </a:p>
+          <a:p>
+            <a:r>
+              <a:rPr lang="en-US" sz="2400" b="1" dirty="0">
+                <a:solidFill>
+                  <a:schemeClr val="bg1">
+                    <a:lumMod val="95000"/>
+                  </a:schemeClr>
+                </a:solidFill>
+              </a:rPr>
+              <a:t>LinkedIn 	: https://www.linkedin.com/in/yodialfariz/ </a:t>
+            </a:r>
+          </a:p>
+          <a:p>
+            <a:r>
+              <a:rPr lang="en-US" sz="2400" b="1" dirty="0">
+                <a:solidFill>
+                  <a:schemeClr val="bg1">
+                    <a:lumMod val="95000"/>
+                  </a:schemeClr>
+                </a:solidFill>
+              </a:rPr>
+              <a:t>Email 		: yodialfariz@gmail.com </a:t>
+            </a:r>
+          </a:p>
+          <a:p>
+            <a:r>
+              <a:rPr lang="en-US" sz="2400" b="1" dirty="0">
+                <a:solidFill>
+                  <a:schemeClr val="bg1">
+                    <a:lumMod val="95000"/>
+                  </a:schemeClr>
+                </a:solidFill>
+              </a:rPr>
+              <a:t>Phone 		: 082218293933 </a:t>
+            </a:r>
+          </a:p>
+          <a:p>
+            <a:r>
+              <a:rPr lang="en-US" sz="2400" b="1" dirty="0">
+                <a:solidFill>
+                  <a:schemeClr val="bg1">
+                    <a:lumMod val="95000"/>
+                  </a:schemeClr>
+                </a:solidFill>
+              </a:rPr>
+              <a:t>Twitter 	: @yodiumh</a:t>
+            </a:r>
+            <a:endParaRPr lang="id-ID" sz="2400" b="1" dirty="0">
+              <a:solidFill>
+                <a:schemeClr val="bg1">
+                  <a:lumMod val="95000"/>
+                </a:schemeClr>
+              </a:solidFill>
+              <a:latin typeface="Arial Rounded MT Bold" panose="020F0704030504030204" pitchFamily="34" charset="0"/>
+            </a:endParaRPr>
+          </a:p>
+        </p:txBody>
+      </p:sp>
+    </p:spTree>
+    <p:extLst>
+      <p:ext uri="{BB962C8B-B14F-4D97-AF65-F5344CB8AC3E}">
+        <p14:creationId xmlns:p14="http://schemas.microsoft.com/office/powerpoint/2010/main" val="381940528"/>
+      </p:ext>
+    </p:extLst>
+  </p:cSld>
+  <p:clrMapOvr>
+    <a:masterClrMapping/>
+  </p:clrMapOvr>
+  <mc:AlternateContent xmlns:mc="http://schemas.openxmlformats.org/markup-compatibility/2006">
+    <mc:Choice xmlns:p159="http://schemas.microsoft.com/office/powerpoint/2015/09/main" Requires="p159">
+      <p:transition spd="slow">
+        <p159:morph option="byObject"/>
+      </p:transition>
+    </mc:Choice>
+    <mc:Fallback>
+      <p:transition spd="slow">
+        <p:fade/>
+      </p:transition>
+    </mc:Fallback>
+  </mc:AlternateContent>
+  <p:timing>
+    <p:tnLst>
+      <p:par>
+        <p:cTn id="1" dur="indefinite" restart="never" nodeType="tmRoot">
+          <p:childTnLst>
+            <p:seq concurrent="1" nextAc="seek">
+              <p:cTn id="2" dur="indefinite" nodeType="mainSeq">
+                <p:childTnLst>
+                  <p:par>
+                    <p:cTn id="3" fill="hold">
+                      <p:stCondLst>
+                        <p:cond delay="indefinite"/>
+                        <p:cond evt="onBegin" delay="0">
+                          <p:tn val="2"/>
+                        </p:cond>
+                      </p:stCondLst>
+                      <p:childTnLst>
+                        <p:par>
+                          <p:cTn id="4" fill="hold">
+                            <p:stCondLst>
+                              <p:cond delay="0"/>
+                            </p:stCondLst>
+                            <p:childTnLst>
+                              <p:par>
+                                <p:cTn id="5" presetID="26" presetClass="entr" presetSubtype="0" fill="hold" grpId="0" nodeType="withEffect">
+                                  <p:stCondLst>
+                                    <p:cond delay="0"/>
+                                  </p:stCondLst>
+                                  <p:childTnLst>
+                                    <p:set>
+                                      <p:cBhvr>
+                                        <p:cTn id="6" dur="1" fill="hold">
+                                          <p:stCondLst>
+                                            <p:cond delay="0"/>
+                                          </p:stCondLst>
+                                        </p:cTn>
+                                        <p:tgtEl>
+                                          <p:spTgt spid="25"/>
+                                        </p:tgtEl>
+                                        <p:attrNameLst>
+                                          <p:attrName>style.visibility</p:attrName>
+                                        </p:attrNameLst>
+                                      </p:cBhvr>
+                                      <p:to>
+                                        <p:strVal val="visible"/>
+                                      </p:to>
+                                    </p:set>
+                                    <p:animEffect transition="in" filter="wipe(down)">
+                                      <p:cBhvr>
+                                        <p:cTn id="7" dur="580">
+                                          <p:stCondLst>
+                                            <p:cond delay="0"/>
+                                          </p:stCondLst>
+                                        </p:cTn>
+                                        <p:tgtEl>
+                                          <p:spTgt spid="25"/>
+                                        </p:tgtEl>
+                                      </p:cBhvr>
+                                    </p:animEffect>
+                                    <p:anim calcmode="lin" valueType="num">
+                                      <p:cBhvr>
+                                        <p:cTn id="8" dur="1822" tmFilter="0,0; 0.14,0.36; 0.43,0.73; 0.71,0.91; 1.0,1.0">
+                                          <p:stCondLst>
+                                            <p:cond delay="0"/>
+                                          </p:stCondLst>
+                                        </p:cTn>
+                                        <p:tgtEl>
+                                          <p:spTgt spid="25"/>
+                                        </p:tgtEl>
+                                        <p:attrNameLst>
+                                          <p:attrName>ppt_x</p:attrName>
+                                        </p:attrNameLst>
+                                      </p:cBhvr>
+                                      <p:tavLst>
+                                        <p:tav tm="0">
+                                          <p:val>
+                                            <p:strVal val="#ppt_x-0.25"/>
+                                          </p:val>
+                                        </p:tav>
+                                        <p:tav tm="100000">
+                                          <p:val>
+                                            <p:strVal val="#ppt_x"/>
+                                          </p:val>
+                                        </p:tav>
+                                      </p:tavLst>
+                                    </p:anim>
+                                    <p:anim calcmode="lin" valueType="num">
+                                      <p:cBhvr>
+                                        <p:cTn id="9" dur="664" tmFilter="0.0,0.0; 0.25,0.07; 0.50,0.2; 0.75,0.467; 1.0,1.0">
+                                          <p:stCondLst>
+                                            <p:cond delay="0"/>
+                                          </p:stCondLst>
+                                        </p:cTn>
+                                        <p:tgtEl>
+                                          <p:spTgt spid="25"/>
+                                        </p:tgtEl>
+                                        <p:attrNameLst>
+                                          <p:attrName>ppt_y</p:attrName>
+                                        </p:attrNameLst>
+                                      </p:cBhvr>
+                                      <p:tavLst>
+                                        <p:tav tm="0" fmla="#ppt_y-sin(pi*$)/3">
+                                          <p:val>
+                                            <p:fltVal val="0.5"/>
+                                          </p:val>
+                                        </p:tav>
+                                        <p:tav tm="100000">
+                                          <p:val>
+                                            <p:fltVal val="1"/>
+                                          </p:val>
+                                        </p:tav>
+                                      </p:tavLst>
+                                    </p:anim>
+                                    <p:anim calcmode="lin" valueType="num">
+                                      <p:cBhvr>
+                                        <p:cTn id="10" dur="664" tmFilter="0, 0; 0.125,0.2665; 0.25,0.4; 0.375,0.465; 0.5,0.5;  0.625,0.535; 0.75,0.6; 0.875,0.7335; 1,1">
+                                          <p:stCondLst>
+                                            <p:cond delay="664"/>
+                                          </p:stCondLst>
+                                        </p:cTn>
+                                        <p:tgtEl>
+                                          <p:spTgt spid="25"/>
+                                        </p:tgtEl>
+                                        <p:attrNameLst>
+                                          <p:attrName>ppt_y</p:attrName>
+                                        </p:attrNameLst>
+                                      </p:cBhvr>
+                                      <p:tavLst>
+                                        <p:tav tm="0" fmla="#ppt_y-sin(pi*$)/9">
+                                          <p:val>
+                                            <p:fltVal val="0"/>
+                                          </p:val>
+                                        </p:tav>
+                                        <p:tav tm="100000">
+                                          <p:val>
+                                            <p:fltVal val="1"/>
+                                          </p:val>
+                                        </p:tav>
+                                      </p:tavLst>
+                                    </p:anim>
+                                    <p:anim calcmode="lin" valueType="num">
+                                      <p:cBhvr>
+                                        <p:cTn id="11" dur="332" tmFilter="0, 0; 0.125,0.2665; 0.25,0.4; 0.375,0.465; 0.5,0.5;  0.625,0.535; 0.75,0.6; 0.875,0.7335; 1,1">
+                                          <p:stCondLst>
+                                            <p:cond delay="1324"/>
+                                          </p:stCondLst>
+                                        </p:cTn>
+                                        <p:tgtEl>
+                                          <p:spTgt spid="25"/>
+                                        </p:tgtEl>
+                                        <p:attrNameLst>
+                                          <p:attrName>ppt_y</p:attrName>
+                                        </p:attrNameLst>
+                                      </p:cBhvr>
+                                      <p:tavLst>
+                                        <p:tav tm="0" fmla="#ppt_y-sin(pi*$)/27">
+                                          <p:val>
+                                            <p:fltVal val="0"/>
+                                          </p:val>
+                                        </p:tav>
+                                        <p:tav tm="100000">
+                                          <p:val>
+                                            <p:fltVal val="1"/>
+                                          </p:val>
+                                        </p:tav>
+                                      </p:tavLst>
+                                    </p:anim>
+                                    <p:anim calcmode="lin" valueType="num">
+                                      <p:cBhvr>
+                                        <p:cTn id="12" dur="164" tmFilter="0, 0; 0.125,0.2665; 0.25,0.4; 0.375,0.465; 0.5,0.5;  0.625,0.535; 0.75,0.6; 0.875,0.7335; 1,1">
+                                          <p:stCondLst>
+                                            <p:cond delay="1656"/>
+                                          </p:stCondLst>
+                                        </p:cTn>
+                                        <p:tgtEl>
+                                          <p:spTgt spid="25"/>
+                                        </p:tgtEl>
+                                        <p:attrNameLst>
+                                          <p:attrName>ppt_y</p:attrName>
+                                        </p:attrNameLst>
+                                      </p:cBhvr>
+                                      <p:tavLst>
+                                        <p:tav tm="0" fmla="#ppt_y-sin(pi*$)/81">
+                                          <p:val>
+                                            <p:fltVal val="0"/>
+                                          </p:val>
+                                        </p:tav>
+                                        <p:tav tm="100000">
+                                          <p:val>
+                                            <p:fltVal val="1"/>
+                                          </p:val>
+                                        </p:tav>
+                                      </p:tavLst>
+                                    </p:anim>
+                                    <p:animScale>
+                                      <p:cBhvr>
+                                        <p:cTn id="13" dur="26">
+                                          <p:stCondLst>
+                                            <p:cond delay="650"/>
+                                          </p:stCondLst>
+                                        </p:cTn>
+                                        <p:tgtEl>
+                                          <p:spTgt spid="25"/>
+                                        </p:tgtEl>
+                                      </p:cBhvr>
+                                      <p:to x="100000" y="60000"/>
+                                    </p:animScale>
+                                    <p:animScale>
+                                      <p:cBhvr>
+                                        <p:cTn id="14" dur="166" decel="50000">
+                                          <p:stCondLst>
+                                            <p:cond delay="676"/>
+                                          </p:stCondLst>
+                                        </p:cTn>
+                                        <p:tgtEl>
+                                          <p:spTgt spid="25"/>
+                                        </p:tgtEl>
+                                      </p:cBhvr>
+                                      <p:to x="100000" y="100000"/>
+                                    </p:animScale>
+                                    <p:animScale>
+                                      <p:cBhvr>
+                                        <p:cTn id="15" dur="26">
+                                          <p:stCondLst>
+                                            <p:cond delay="1312"/>
+                                          </p:stCondLst>
+                                        </p:cTn>
+                                        <p:tgtEl>
+                                          <p:spTgt spid="25"/>
+                                        </p:tgtEl>
+                                      </p:cBhvr>
+                                      <p:to x="100000" y="80000"/>
+                                    </p:animScale>
+                                    <p:animScale>
+                                      <p:cBhvr>
+                                        <p:cTn id="16" dur="166" decel="50000">
+                                          <p:stCondLst>
+                                            <p:cond delay="1338"/>
+                                          </p:stCondLst>
+                                        </p:cTn>
+                                        <p:tgtEl>
+                                          <p:spTgt spid="25"/>
+                                        </p:tgtEl>
+                                      </p:cBhvr>
+                                      <p:to x="100000" y="100000"/>
+                                    </p:animScale>
+                                    <p:animScale>
+                                      <p:cBhvr>
+                                        <p:cTn id="17" dur="26">
+                                          <p:stCondLst>
+                                            <p:cond delay="1642"/>
+                                          </p:stCondLst>
+                                        </p:cTn>
+                                        <p:tgtEl>
+                                          <p:spTgt spid="25"/>
+                                        </p:tgtEl>
+                                      </p:cBhvr>
+                                      <p:to x="100000" y="90000"/>
+                                    </p:animScale>
+                                    <p:animScale>
+                                      <p:cBhvr>
+                                        <p:cTn id="18" dur="166" decel="50000">
+                                          <p:stCondLst>
+                                            <p:cond delay="1668"/>
+                                          </p:stCondLst>
+                                        </p:cTn>
+                                        <p:tgtEl>
+                                          <p:spTgt spid="25"/>
+                                        </p:tgtEl>
+                                      </p:cBhvr>
+                                      <p:to x="100000" y="100000"/>
+                                    </p:animScale>
+                                    <p:animScale>
+                                      <p:cBhvr>
+                                        <p:cTn id="19" dur="26">
+                                          <p:stCondLst>
+                                            <p:cond delay="1808"/>
+                                          </p:stCondLst>
+                                        </p:cTn>
+                                        <p:tgtEl>
+                                          <p:spTgt spid="25"/>
+                                        </p:tgtEl>
+                                      </p:cBhvr>
+                                      <p:to x="100000" y="95000"/>
+                                    </p:animScale>
+                                    <p:animScale>
+                                      <p:cBhvr>
+                                        <p:cTn id="20" dur="166" decel="50000">
+                                          <p:stCondLst>
+                                            <p:cond delay="1834"/>
+                                          </p:stCondLst>
+                                        </p:cTn>
+                                        <p:tgtEl>
+                                          <p:spTgt spid="25"/>
+                                        </p:tgtEl>
+                                      </p:cBhvr>
+                                      <p:to x="100000" y="100000"/>
+                                    </p:animScale>
+                                  </p:childTnLst>
+                                </p:cTn>
+                              </p:par>
+                            </p:childTnLst>
+                          </p:cTn>
+                        </p:par>
+                      </p:childTnLst>
+                    </p:cTn>
+                  </p:par>
+                </p:childTnLst>
+              </p:cTn>
+              <p:prevCondLst>
+                <p:cond evt="onPrev" delay="0">
+                  <p:tgtEl>
+                    <p:sldTgt/>
+                  </p:tgtEl>
+                </p:cond>
+              </p:prevCondLst>
+              <p:nextCondLst>
+                <p:cond evt="onNext" delay="0">
+                  <p:tgtEl>
+                    <p:sldTgt/>
+                  </p:tgtEl>
+                </p:cond>
+              </p:nextCondLst>
+            </p:seq>
+          </p:childTnLst>
+        </p:cTn>
+      </p:par>
+    </p:tnLst>
+    <p:bldLst>
+      <p:bldP spid="25" grpId="0"/>
+    </p:bldLst>
+  </p:timing>
 </p:sld>
 </file>
 
@@ -20505,7 +21822,7 @@
             <a:lstStyle/>
             <a:p>
               <a:pPr algn="ctr"/>
-              <a:endParaRPr lang="id-ID"/>
+              <a:endParaRPr lang="id-ID" dirty="0"/>
             </a:p>
           </p:txBody>
         </p:sp>
